--- a/Evolving Biologically Plausible Networks for Temporal Prediction V4.pptx
+++ b/Evolving Biologically Plausible Networks for Temporal Prediction V4.pptx
@@ -208,7 +208,7 @@
           <a:p>
             <a:fld id="{18F83890-EE71-46F4-B3EE-40E0CCED858B}" type="datetimeFigureOut">
               <a:rPr lang="en-US" smtClean="0"/>
-              <a:t>2023-10-16</a:t>
+              <a:t>2023-10-25</a:t>
             </a:fld>
             <a:endParaRPr lang="en-US"/>
           </a:p>
@@ -750,7 +750,7 @@
           <a:p>
             <a:fld id="{25D80956-8434-4A96-8ED4-0709A8411F5B}" type="datetimeFigureOut">
               <a:rPr lang="en-US" smtClean="0"/>
-              <a:t>2023-10-16</a:t>
+              <a:t>2023-10-25</a:t>
             </a:fld>
             <a:endParaRPr lang="en-US"/>
           </a:p>
@@ -920,7 +920,7 @@
           <a:p>
             <a:fld id="{25D80956-8434-4A96-8ED4-0709A8411F5B}" type="datetimeFigureOut">
               <a:rPr lang="en-US" smtClean="0"/>
-              <a:t>2023-10-16</a:t>
+              <a:t>2023-10-25</a:t>
             </a:fld>
             <a:endParaRPr lang="en-US"/>
           </a:p>
@@ -1100,7 +1100,7 @@
           <a:p>
             <a:fld id="{25D80956-8434-4A96-8ED4-0709A8411F5B}" type="datetimeFigureOut">
               <a:rPr lang="en-US" smtClean="0"/>
-              <a:t>2023-10-16</a:t>
+              <a:t>2023-10-25</a:t>
             </a:fld>
             <a:endParaRPr lang="en-US"/>
           </a:p>
@@ -1270,7 +1270,7 @@
           <a:p>
             <a:fld id="{25D80956-8434-4A96-8ED4-0709A8411F5B}" type="datetimeFigureOut">
               <a:rPr lang="en-US" smtClean="0"/>
-              <a:t>2023-10-16</a:t>
+              <a:t>2023-10-25</a:t>
             </a:fld>
             <a:endParaRPr lang="en-US"/>
           </a:p>
@@ -1514,7 +1514,7 @@
           <a:p>
             <a:fld id="{25D80956-8434-4A96-8ED4-0709A8411F5B}" type="datetimeFigureOut">
               <a:rPr lang="en-US" smtClean="0"/>
-              <a:t>2023-10-16</a:t>
+              <a:t>2023-10-25</a:t>
             </a:fld>
             <a:endParaRPr lang="en-US"/>
           </a:p>
@@ -1746,7 +1746,7 @@
           <a:p>
             <a:fld id="{25D80956-8434-4A96-8ED4-0709A8411F5B}" type="datetimeFigureOut">
               <a:rPr lang="en-US" smtClean="0"/>
-              <a:t>2023-10-16</a:t>
+              <a:t>2023-10-25</a:t>
             </a:fld>
             <a:endParaRPr lang="en-US"/>
           </a:p>
@@ -2113,7 +2113,7 @@
           <a:p>
             <a:fld id="{25D80956-8434-4A96-8ED4-0709A8411F5B}" type="datetimeFigureOut">
               <a:rPr lang="en-US" smtClean="0"/>
-              <a:t>2023-10-16</a:t>
+              <a:t>2023-10-25</a:t>
             </a:fld>
             <a:endParaRPr lang="en-US"/>
           </a:p>
@@ -2231,7 +2231,7 @@
           <a:p>
             <a:fld id="{25D80956-8434-4A96-8ED4-0709A8411F5B}" type="datetimeFigureOut">
               <a:rPr lang="en-US" smtClean="0"/>
-              <a:t>2023-10-16</a:t>
+              <a:t>2023-10-25</a:t>
             </a:fld>
             <a:endParaRPr lang="en-US"/>
           </a:p>
@@ -2326,7 +2326,7 @@
           <a:p>
             <a:fld id="{25D80956-8434-4A96-8ED4-0709A8411F5B}" type="datetimeFigureOut">
               <a:rPr lang="en-US" smtClean="0"/>
-              <a:t>2023-10-16</a:t>
+              <a:t>2023-10-25</a:t>
             </a:fld>
             <a:endParaRPr lang="en-US"/>
           </a:p>
@@ -2603,7 +2603,7 @@
           <a:p>
             <a:fld id="{25D80956-8434-4A96-8ED4-0709A8411F5B}" type="datetimeFigureOut">
               <a:rPr lang="en-US" smtClean="0"/>
-              <a:t>2023-10-16</a:t>
+              <a:t>2023-10-25</a:t>
             </a:fld>
             <a:endParaRPr lang="en-US"/>
           </a:p>
@@ -2860,7 +2860,7 @@
           <a:p>
             <a:fld id="{25D80956-8434-4A96-8ED4-0709A8411F5B}" type="datetimeFigureOut">
               <a:rPr lang="en-US" smtClean="0"/>
-              <a:t>2023-10-16</a:t>
+              <a:t>2023-10-25</a:t>
             </a:fld>
             <a:endParaRPr lang="en-US"/>
           </a:p>
@@ -3073,7 +3073,7 @@
           <a:p>
             <a:fld id="{25D80956-8434-4A96-8ED4-0709A8411F5B}" type="datetimeFigureOut">
               <a:rPr lang="en-US" smtClean="0"/>
-              <a:t>2023-10-16</a:t>
+              <a:t>2023-10-25</a:t>
             </a:fld>
             <a:endParaRPr lang="en-US"/>
           </a:p>
@@ -3517,7 +3517,7 @@
         <p:spPr>
           <a:xfrm>
             <a:off x="10588141" y="12726863"/>
-            <a:ext cx="9089304" cy="4189450"/>
+            <a:ext cx="9089304" cy="4384800"/>
           </a:xfrm>
           <a:prstGeom prst="rect">
             <a:avLst/>
@@ -3586,35 +3586,7 @@
           <a:p>
             <a:r>
               <a:rPr lang="en-US" sz="2522" dirty="0"/>
-              <a:t>NEAT </a:t>
-            </a:r>
-            <a:r>
-              <a:rPr lang="en-US" sz="2522" dirty="0"/>
-              <a:t>generates </a:t>
-            </a:r>
-            <a:r>
-              <a:rPr lang="en-US" sz="2522" dirty="0"/>
-              <a:t>artificial neural networks with topologies that evolve alongside network </a:t>
-            </a:r>
-            <a:r>
-              <a:rPr lang="en-US" sz="2522" dirty="0"/>
-              <a:t>weights. By simulating evolution, </a:t>
-            </a:r>
-            <a:r>
-              <a:rPr lang="en-US" sz="2522" dirty="0"/>
-              <a:t>NEAT can discover </a:t>
-            </a:r>
-            <a:r>
-              <a:rPr lang="en-US" sz="2522" dirty="0"/>
-              <a:t>potent network architectures without </a:t>
-            </a:r>
-            <a:r>
-              <a:rPr lang="en-US" sz="2522" dirty="0"/>
-              <a:t>extensive human design </a:t>
-            </a:r>
-            <a:r>
-              <a:rPr lang="en-US" sz="2522" dirty="0"/>
-              <a:t>input.</a:t>
+              <a:t>NEAT generates artificial neural networks with topologies that evolve alongside network weights. By simulating evolution, NEAT can discover potent network architectures without extensive human design input.</a:t>
             </a:r>
           </a:p>
           <a:p>
@@ -3777,36 +3749,16 @@
           <a:p>
             <a:r>
               <a:rPr lang="en-US" sz="2522" dirty="0"/>
-              <a:t>Temporal prediction, where the brain anticipates future events from past data, can contribute </a:t>
-            </a:r>
+              <a:t>Temporal prediction, where the brain anticipates future events from past data, can contribute to reaction times, rhythmic actions, and social interactions.</a:t>
+            </a:r>
+          </a:p>
+          <a:p>
+            <a:endParaRPr lang="en-US" sz="2522" dirty="0"/>
+          </a:p>
+          <a:p>
             <a:r>
               <a:rPr lang="en-US" sz="2522" dirty="0"/>
-              <a:t>to reaction </a:t>
-            </a:r>
-            <a:r>
-              <a:rPr lang="en-US" sz="2522" dirty="0"/>
-              <a:t>times, rhythmic actions, and social interactions</a:t>
-            </a:r>
-            <a:r>
-              <a:rPr lang="en-US" sz="2522" dirty="0"/>
-              <a:t>.</a:t>
-            </a:r>
-          </a:p>
-          <a:p>
-            <a:endParaRPr lang="en-US" sz="2522" dirty="0"/>
-          </a:p>
-          <a:p>
-            <a:r>
-              <a:rPr lang="en-US" sz="2522" dirty="0"/>
-              <a:t>While </a:t>
-            </a:r>
-            <a:r>
-              <a:rPr lang="en-US" sz="2522" dirty="0"/>
-              <a:t>we recognize key brain areas involved, the substructures facilitating these behaviors remain elusive</a:t>
-            </a:r>
-            <a:r>
-              <a:rPr lang="en-US" sz="2522" dirty="0"/>
-              <a:t>.</a:t>
+              <a:t>While we recognize key brain areas involved, the substructures facilitating these behaviors remain elusive.</a:t>
             </a:r>
           </a:p>
           <a:p>
@@ -3970,47 +3922,8 @@
                   </a:outerShdw>
                 </a:effectLst>
               </a:rPr>
-              <a:t>Evolving Biologically Plausible Networks for Temporal </a:t>
-            </a:r>
-            <a:r>
-              <a:rPr lang="en-US" sz="7566" b="1" dirty="0">
-                <a:ln w="10160">
-                  <a:solidFill>
-                    <a:schemeClr val="accent5"/>
-                  </a:solidFill>
-                  <a:prstDash val="solid"/>
-                </a:ln>
-                <a:solidFill>
-                  <a:srgbClr val="FFFFFF"/>
-                </a:solidFill>
-                <a:effectLst>
-                  <a:outerShdw blurRad="38100" dist="22860" dir="5400000" algn="tl" rotWithShape="0">
-                    <a:srgbClr val="000000">
-                      <a:alpha val="30000"/>
-                    </a:srgbClr>
-                  </a:outerShdw>
-                </a:effectLst>
-              </a:rPr>
-              <a:t>Prediction</a:t>
-            </a:r>
-            <a:endParaRPr lang="en-US" sz="7566" b="1" dirty="0">
-              <a:ln w="10160">
-                <a:solidFill>
-                  <a:schemeClr val="accent5"/>
-                </a:solidFill>
-                <a:prstDash val="solid"/>
-              </a:ln>
-              <a:solidFill>
-                <a:srgbClr val="FFFFFF"/>
-              </a:solidFill>
-              <a:effectLst>
-                <a:outerShdw blurRad="38100" dist="22860" dir="5400000" algn="tl" rotWithShape="0">
-                  <a:srgbClr val="000000">
-                    <a:alpha val="30000"/>
-                  </a:srgbClr>
-                </a:outerShdw>
-              </a:effectLst>
-            </a:endParaRPr>
+              <a:t>Evolving Biologically Plausible Networks for Temporal Prediction</a:t>
+            </a:r>
           </a:p>
         </p:txBody>
       </p:sp>
@@ -4133,7 +4046,6 @@
               <a:rPr lang="en-US" sz="3152" b="1" dirty="0"/>
               <a:t>Temporal Prediction</a:t>
             </a:r>
-            <a:endParaRPr lang="en-US" sz="3152" b="1" dirty="0"/>
           </a:p>
         </p:txBody>
       </p:sp>
@@ -4276,7 +4188,6 @@
               <a:rPr lang="en-US" sz="3152" b="1" dirty="0"/>
               <a:t> of Augmenting Topologies (NEAT)</a:t>
             </a:r>
-            <a:endParaRPr lang="en-US" sz="3152" b="1" dirty="0"/>
           </a:p>
         </p:txBody>
       </p:sp>
@@ -4532,33 +4443,8 @@
             </a:r>
             <a:r>
               <a:rPr lang="en-US" sz="2522" dirty="0"/>
-              <a:t> learning, often summarized </a:t>
-            </a:r>
-            <a:r>
-              <a:rPr lang="en-US" sz="2522" dirty="0"/>
-              <a:t>as "neurons </a:t>
-            </a:r>
-            <a:r>
-              <a:rPr lang="en-US" sz="2522" dirty="0"/>
-              <a:t>that fire together, wire </a:t>
-            </a:r>
-            <a:r>
-              <a:rPr lang="en-US" sz="2522" dirty="0"/>
-              <a:t>together“, postulates </a:t>
-            </a:r>
-            <a:r>
-              <a:rPr lang="en-US" sz="2522" dirty="0"/>
-              <a:t>that if two neurons on either side of a synapse </a:t>
-            </a:r>
-            <a:r>
-              <a:rPr lang="en-US" sz="2522" dirty="0"/>
-              <a:t>are </a:t>
-            </a:r>
-            <a:r>
-              <a:rPr lang="en-US" sz="2522" dirty="0"/>
-              <a:t>activated simultaneously, the strength of that synapse increases. </a:t>
-            </a:r>
-            <a:endParaRPr lang="en-US" sz="2522" dirty="0"/>
+              <a:t> learning, often summarized as "neurons that fire together, wire together“, postulates that if two neurons on either side of a synapse are activated simultaneously, the strength of that synapse increases. </a:t>
+            </a:r>
           </a:p>
           <a:p>
             <a:endParaRPr lang="en-US" sz="2522" dirty="0"/>
@@ -4613,7 +4499,6 @@
               <a:rPr lang="en-US" sz="3152" b="1" dirty="0"/>
               <a:t> Learning</a:t>
             </a:r>
-            <a:endParaRPr lang="en-US" sz="3152" b="1" dirty="0"/>
           </a:p>
         </p:txBody>
       </p:sp>
@@ -4917,7 +4802,6 @@
               <a:rPr lang="en-US" sz="3152" b="1" dirty="0"/>
               <a:t> Task</a:t>
             </a:r>
-            <a:endParaRPr lang="en-US" sz="3152" b="1" dirty="0"/>
           </a:p>
         </p:txBody>
       </p:sp>
@@ -5165,43 +5049,7 @@
           <a:p>
             <a:r>
               <a:rPr lang="en-US" sz="2522" dirty="0"/>
-              <a:t>Biological plausibility </a:t>
-            </a:r>
-            <a:r>
-              <a:rPr lang="en-US" sz="2522" dirty="0"/>
-              <a:t>refers to AI </a:t>
-            </a:r>
-            <a:r>
-              <a:rPr lang="en-US" sz="2522" dirty="0"/>
-              <a:t>models that mirror the brain's architecture and </a:t>
-            </a:r>
-            <a:r>
-              <a:rPr lang="en-US" sz="2522" dirty="0"/>
-              <a:t>functions. By emulating natural </a:t>
-            </a:r>
-            <a:r>
-              <a:rPr lang="en-US" sz="2522" dirty="0"/>
-              <a:t>neural systems, </a:t>
-            </a:r>
-            <a:r>
-              <a:rPr lang="en-US" sz="2522" dirty="0"/>
-              <a:t>these networks provide insight </a:t>
-            </a:r>
-            <a:r>
-              <a:rPr lang="en-US" sz="2522" dirty="0"/>
-              <a:t>into brain operations and </a:t>
-            </a:r>
-            <a:r>
-              <a:rPr lang="en-US" sz="2522" dirty="0"/>
-              <a:t>improve AI </a:t>
-            </a:r>
-            <a:r>
-              <a:rPr lang="en-US" sz="2522" dirty="0"/>
-              <a:t>adaptability and resilience</a:t>
-            </a:r>
-            <a:r>
-              <a:rPr lang="en-US" sz="2522" dirty="0"/>
-              <a:t>.</a:t>
+              <a:t>Biological plausibility refers to AI models that mirror the brain's architecture and functions. By emulating natural neural systems, these networks provide insight into brain operations and improve AI adaptability and resilience.</a:t>
             </a:r>
           </a:p>
           <a:p>
@@ -5236,7 +5084,6 @@
               <a:rPr lang="en-US" sz="3152" b="1" dirty="0"/>
               <a:t>Biological Plausibility</a:t>
             </a:r>
-            <a:endParaRPr lang="en-US" sz="3152" b="1" dirty="0"/>
           </a:p>
         </p:txBody>
       </p:sp>
@@ -5497,7 +5344,6 @@
               <a:rPr lang="en-US" sz="3152" b="1" dirty="0"/>
               <a:t>Conclusion</a:t>
             </a:r>
-            <a:endParaRPr lang="en-US" sz="3152" b="1" dirty="0"/>
           </a:p>
         </p:txBody>
       </p:sp>
@@ -5742,7 +5588,6 @@
               <a:rPr lang="en-US" sz="3152" b="1" dirty="0"/>
               <a:t>Research Goals</a:t>
             </a:r>
-            <a:endParaRPr lang="en-US" sz="3152" b="1" dirty="0"/>
           </a:p>
         </p:txBody>
       </p:sp>
@@ -5986,13 +5831,8 @@
           <a:p>
             <a:r>
               <a:rPr lang="en-US" sz="2207" dirty="0"/>
-              <a:t>Yuri Marugata and Kaori Sato of the </a:t>
-            </a:r>
-            <a:r>
-              <a:rPr lang="en-US" sz="2207" dirty="0"/>
-              <a:t>Office of International Relations </a:t>
-            </a:r>
-            <a:endParaRPr lang="en-US" sz="2207" dirty="0"/>
+              <a:t>Yuri Marugata and Kaori Sato of the Office of International Relations </a:t>
+            </a:r>
           </a:p>
           <a:p>
             <a:r>
@@ -6021,11 +5861,7 @@
           <a:p>
             <a:r>
               <a:rPr lang="en-US" sz="2207" dirty="0"/>
-              <a:t>Norwegian Ministry of Education and </a:t>
-            </a:r>
-            <a:r>
-              <a:rPr lang="en-US" sz="2207" dirty="0"/>
-              <a:t>Research</a:t>
+              <a:t>Norwegian Ministry of Education and Research</a:t>
             </a:r>
           </a:p>
         </p:txBody>
@@ -6057,7 +5893,6 @@
               <a:rPr lang="en-US" sz="3152" b="1" dirty="0"/>
               <a:t>Acknowledgements</a:t>
             </a:r>
-            <a:endParaRPr lang="en-US" sz="3152" b="1" dirty="0"/>
           </a:p>
         </p:txBody>
       </p:sp>
@@ -6200,7 +6035,6 @@
               <a:rPr lang="en-US" sz="3152" b="1" dirty="0"/>
               <a:t>Results</a:t>
             </a:r>
-            <a:endParaRPr lang="en-US" sz="3152" b="1" dirty="0"/>
           </a:p>
         </p:txBody>
       </p:sp>
@@ -6383,7 +6217,6 @@
               <a:rPr lang="en-US" sz="3152" b="1" dirty="0"/>
               <a:t>Future Work</a:t>
             </a:r>
-            <a:endParaRPr lang="en-US" sz="3152" b="1" dirty="0"/>
           </a:p>
         </p:txBody>
       </p:sp>
@@ -6859,7 +6692,7 @@
         </p:blipFill>
         <p:spPr>
           <a:xfrm>
-            <a:off x="13316402" y="13038003"/>
+            <a:off x="13316402" y="13195623"/>
             <a:ext cx="3627189" cy="3627189"/>
           </a:xfrm>
           <a:prstGeom prst="rect">
